--- a/output_presentation.pptx
+++ b/output_presentation.pptx
@@ -7,6 +7,8 @@
   <p:sldIdLst>
     <p:sldId id="256" r:id="rId7"/>
     <p:sldId id="257" r:id="rId8"/>
+    <p:sldId id="258" r:id="rId9"/>
+    <p:sldId id="259" r:id="rId10"/>
   </p:sldIdLst>
   <p:sldSz cx="9144000" cy="6858000" type="screen4x3"/>
   <p:notesSz cx="6858000" cy="9144000"/>
@@ -3105,7 +3107,7 @@
           <a:lstStyle/>
           <a:p>
             <a:r>
-              <a:t>Titelfolie</a:t>
+              <a:t>Herzlich Willkommen</a:t>
             </a:r>
           </a:p>
         </p:txBody>
@@ -3126,7 +3128,7 @@
           <a:lstStyle/>
           <a:p>
             <a:r>
-              <a:t>Willkommen zur Präsentation</a:t>
+              <a:t>Präsentation: Lohnservice &amp; Versicherungsberatung</a:t>
             </a:r>
           </a:p>
         </p:txBody>
@@ -3165,7 +3167,7 @@
           <a:lstStyle/>
           <a:p>
             <a:r>
-              <a:t>Agenda</a:t>
+              <a:t>Warum auslagern?</a:t>
             </a:r>
           </a:p>
         </p:txBody>
@@ -3186,17 +3188,152 @@
           <a:lstStyle/>
           <a:p>
             <a:r>
-              <a:t>1. Einleitung</a:t>
-            </a:r>
-          </a:p>
-          <a:p>
-            <a:r>
-              <a:t>2. Hauptteil</a:t>
-            </a:r>
-          </a:p>
-          <a:p>
-            <a:r>
-              <a:t>3. Schluss</a:t>
+              <a:t>Reduktion von Fehlern</a:t>
+            </a:r>
+          </a:p>
+          <a:p>
+            <a:r>
+              <a:t>Zeit- und Kostenersparnis</a:t>
+            </a:r>
+          </a:p>
+          <a:p>
+            <a:r>
+              <a:t>Rechtssicherheit</a:t>
+            </a:r>
+          </a:p>
+        </p:txBody>
+      </p:sp>
+    </p:spTree>
+  </p:cSld>
+  <p:clrMapOvr>
+    <a:masterClrMapping/>
+  </p:clrMapOvr>
+</p:sld>
+</file>
+
+<file path=ppt/slides/slide3.xml><?xml version="1.0" encoding="utf-8"?>
+<p:sld xmlns:a="http://schemas.openxmlformats.org/drawingml/2006/main" xmlns:p="http://schemas.openxmlformats.org/presentationml/2006/main" xmlns:r="http://schemas.openxmlformats.org/officeDocument/2006/relationships">
+  <p:cSld>
+    <p:spTree>
+      <p:nvGrpSpPr>
+        <p:cNvPr id="1" name=""/>
+        <p:cNvGrpSpPr/>
+        <p:nvPr/>
+      </p:nvGrpSpPr>
+      <p:grpSpPr/>
+      <p:sp>
+        <p:nvSpPr>
+          <p:cNvPr id="2" name="Title 1"/>
+          <p:cNvSpPr>
+            <a:spLocks noGrp="1"/>
+          </p:cNvSpPr>
+          <p:nvPr>
+            <p:ph type="title"/>
+          </p:nvPr>
+        </p:nvSpPr>
+        <p:spPr/>
+        <p:txBody>
+          <a:bodyPr/>
+          <a:lstStyle/>
+          <a:p>
+            <a:r>
+              <a:t>Unser Angebot</a:t>
+            </a:r>
+          </a:p>
+        </p:txBody>
+      </p:sp>
+      <p:sp>
+        <p:nvSpPr>
+          <p:cNvPr id="3" name="Content Placeholder 2"/>
+          <p:cNvSpPr>
+            <a:spLocks noGrp="1"/>
+          </p:cNvSpPr>
+          <p:nvPr>
+            <p:ph idx="1"/>
+          </p:nvPr>
+        </p:nvSpPr>
+        <p:spPr/>
+        <p:txBody>
+          <a:bodyPr/>
+          <a:lstStyle/>
+          <a:p>
+            <a:r>
+              <a:t>Lohnbuchhaltung und Versicherungsberatung im Paket.</a:t>
+            </a:r>
+          </a:p>
+          <a:p>
+            <a:r>
+              <a:t>Preis: CHF 25–35 pro Mitarbeiter/Monat</a:t>
+            </a:r>
+          </a:p>
+        </p:txBody>
+      </p:sp>
+    </p:spTree>
+  </p:cSld>
+  <p:clrMapOvr>
+    <a:masterClrMapping/>
+  </p:clrMapOvr>
+</p:sld>
+</file>
+
+<file path=ppt/slides/slide4.xml><?xml version="1.0" encoding="utf-8"?>
+<p:sld xmlns:a="http://schemas.openxmlformats.org/drawingml/2006/main" xmlns:p="http://schemas.openxmlformats.org/presentationml/2006/main" xmlns:r="http://schemas.openxmlformats.org/officeDocument/2006/relationships">
+  <p:cSld>
+    <p:spTree>
+      <p:nvGrpSpPr>
+        <p:cNvPr id="1" name=""/>
+        <p:cNvGrpSpPr/>
+        <p:nvPr/>
+      </p:nvGrpSpPr>
+      <p:grpSpPr/>
+      <p:sp>
+        <p:nvSpPr>
+          <p:cNvPr id="2" name="Title 1"/>
+          <p:cNvSpPr>
+            <a:spLocks noGrp="1"/>
+          </p:cNvSpPr>
+          <p:nvPr>
+            <p:ph type="title"/>
+          </p:nvPr>
+        </p:nvSpPr>
+        <p:spPr/>
+        <p:txBody>
+          <a:bodyPr/>
+          <a:lstStyle/>
+          <a:p>
+            <a:r>
+              <a:t>Ihre Vorteile</a:t>
+            </a:r>
+          </a:p>
+        </p:txBody>
+      </p:sp>
+      <p:sp>
+        <p:nvSpPr>
+          <p:cNvPr id="3" name="Content Placeholder 2"/>
+          <p:cNvSpPr>
+            <a:spLocks noGrp="1"/>
+          </p:cNvSpPr>
+          <p:nvPr>
+            <p:ph idx="1"/>
+          </p:nvPr>
+        </p:nvSpPr>
+        <p:spPr/>
+        <p:txBody>
+          <a:bodyPr/>
+          <a:lstStyle/>
+          <a:p>
+            <a:r>
+              <a:t>🔹 Digitalisierung</a:t>
+            </a:r>
+          </a:p>
+          <a:p>
+            <a:r>
+              <a:t>🔹 Persönliche Beratung</a:t>
+            </a:r>
+          </a:p>
+          <a:p>
+            <a:r>
+              <a:t>🔹 Zukunftssicher</a:t>
             </a:r>
           </a:p>
         </p:txBody>
